--- a/05장/[넘파이]05장.pptx
+++ b/05장/[넘파이]05장.pptx
@@ -5,10 +5,10 @@
     <p:sldMasterId id="2147483735" r:id="rId1"/>
   </p:sldMasterIdLst>
   <p:notesMasterIdLst>
-    <p:notesMasterId r:id="rId32"/>
+    <p:notesMasterId r:id="rId27"/>
   </p:notesMasterIdLst>
   <p:handoutMasterIdLst>
-    <p:handoutMasterId r:id="rId33"/>
+    <p:handoutMasterId r:id="rId28"/>
   </p:handoutMasterIdLst>
   <p:sldIdLst>
     <p:sldId id="1972" r:id="rId2"/>
@@ -36,11 +36,6 @@
     <p:sldId id="2060" r:id="rId24"/>
     <p:sldId id="2061" r:id="rId25"/>
     <p:sldId id="2062" r:id="rId26"/>
-    <p:sldId id="1978" r:id="rId27"/>
-    <p:sldId id="1979" r:id="rId28"/>
-    <p:sldId id="1980" r:id="rId29"/>
-    <p:sldId id="2082" r:id="rId30"/>
-    <p:sldId id="2083" r:id="rId31"/>
   </p:sldIdLst>
   <p:sldSz cx="12192000" cy="6858000"/>
   <p:notesSz cx="7104063" cy="10234613"/>
@@ -169,11 +164,6 @@
             <p14:sldId id="2060"/>
             <p14:sldId id="2061"/>
             <p14:sldId id="2062"/>
-            <p14:sldId id="1978"/>
-            <p14:sldId id="1979"/>
-            <p14:sldId id="1980"/>
-            <p14:sldId id="2082"/>
-            <p14:sldId id="2083"/>
           </p14:sldIdLst>
         </p14:section>
       </p14:sectionLst>
@@ -310,7 +300,7 @@
             <a:fld id="{6687BBD7-CCE5-2942-97B4-94371F0B8E1E}" type="datetimeFigureOut">
               <a:rPr kumimoji="1" lang="ko-KR" altLang="en-US" smtClean="0"/>
               <a:pPr/>
-              <a:t>2020-10-26</a:t>
+              <a:t>2020-10-27</a:t>
             </a:fld>
             <a:endParaRPr kumimoji="1" lang="ko-KR" altLang="en-US" dirty="0"/>
           </a:p>
@@ -489,7 +479,7 @@
             <a:fld id="{F1C10679-9C98-6642-B08B-2CF286076737}" type="datetimeFigureOut">
               <a:rPr kumimoji="1" lang="ko-KR" altLang="en-US" smtClean="0"/>
               <a:pPr/>
-              <a:t>2020-10-26</a:t>
+              <a:t>2020-10-27</a:t>
             </a:fld>
             <a:endParaRPr kumimoji="1" lang="ko-KR" altLang="en-US" dirty="0"/>
           </a:p>
@@ -841,7 +831,7 @@
           <a:p>
             <a:fld id="{C764DE79-268F-4C1A-8933-263129D2AF90}" type="datetimeFigureOut">
               <a:rPr lang="en-US" dirty="0"/>
-              <a:t>10/26/2020</a:t>
+              <a:t>10/27/2020</a:t>
             </a:fld>
             <a:endParaRPr lang="en-US" dirty="0"/>
           </a:p>
@@ -6040,832 +6030,6 @@
 </p:sld>
 </file>
 
-<file path=ppt/slides/slide26.xml><?xml version="1.0" encoding="utf-8"?>
-<p:sld xmlns:a="http://schemas.openxmlformats.org/drawingml/2006/main" xmlns:r="http://schemas.openxmlformats.org/officeDocument/2006/relationships" xmlns:p="http://schemas.openxmlformats.org/presentationml/2006/main">
-  <p:cSld>
-    <p:spTree>
-      <p:nvGrpSpPr>
-        <p:cNvPr id="1" name=""/>
-        <p:cNvGrpSpPr/>
-        <p:nvPr/>
-      </p:nvGrpSpPr>
-      <p:grpSpPr>
-        <a:xfrm>
-          <a:off x="0" y="0"/>
-          <a:ext cx="0" cy="0"/>
-          <a:chOff x="0" y="0"/>
-          <a:chExt cx="0" cy="0"/>
-        </a:xfrm>
-      </p:grpSpPr>
-      <p:sp>
-        <p:nvSpPr>
-          <p:cNvPr id="8" name="Text Placeholder 7">
-            <a:extLst>
-              <a:ext uri="{FF2B5EF4-FFF2-40B4-BE49-F238E27FC236}">
-                <a16:creationId xmlns:a16="http://schemas.microsoft.com/office/drawing/2014/main" id="{AECB2726-1274-4BBD-9287-0DFA0195BEDA}"/>
-              </a:ext>
-            </a:extLst>
-          </p:cNvPr>
-          <p:cNvSpPr>
-            <a:spLocks noGrp="1"/>
-          </p:cNvSpPr>
-          <p:nvPr>
-            <p:ph type="body" sz="quarter" idx="11"/>
-          </p:nvPr>
-        </p:nvSpPr>
-        <p:spPr>
-          <a:xfrm>
-            <a:off x="312598" y="1877019"/>
-            <a:ext cx="11684249" cy="1551981"/>
-          </a:xfrm>
-        </p:spPr>
-        <p:txBody>
-          <a:bodyPr/>
-          <a:lstStyle/>
-          <a:p>
-            <a:r>
-              <a:rPr lang="ko-KR" altLang="en-US" sz="6000" dirty="0">
-                <a:latin typeface="HY각헤드라인B" panose="02030600000101010101" pitchFamily="18" charset="-127"/>
-                <a:ea typeface="HY각헤드라인B" panose="02030600000101010101" pitchFamily="18" charset="-127"/>
-              </a:rPr>
-              <a:t>넘파이 모듈의 자료형 이해하기</a:t>
-            </a:r>
-          </a:p>
-        </p:txBody>
-      </p:sp>
-      <p:sp>
-        <p:nvSpPr>
-          <p:cNvPr id="4" name="Text Placeholder 8">
-            <a:extLst>
-              <a:ext uri="{FF2B5EF4-FFF2-40B4-BE49-F238E27FC236}">
-                <a16:creationId xmlns:a16="http://schemas.microsoft.com/office/drawing/2014/main" id="{4B8956CB-5928-45F9-BA26-8965FC465610}"/>
-              </a:ext>
-            </a:extLst>
-          </p:cNvPr>
-          <p:cNvSpPr txBox="1">
-            <a:spLocks/>
-          </p:cNvSpPr>
-          <p:nvPr/>
-        </p:nvSpPr>
-        <p:spPr>
-          <a:xfrm>
-            <a:off x="3309001" y="3926162"/>
-            <a:ext cx="5573997" cy="1551980"/>
-          </a:xfrm>
-          <a:prstGeom prst="rect">
-            <a:avLst/>
-          </a:prstGeom>
-        </p:spPr>
-        <p:txBody>
-          <a:bodyPr/>
-          <a:lstStyle>
-            <a:lvl1pPr marL="228600" indent="-228600" algn="l" defTabSz="914400" rtl="0" eaLnBrk="1" latinLnBrk="1" hangingPunct="1">
-              <a:lnSpc>
-                <a:spcPct val="90000"/>
-              </a:lnSpc>
-              <a:spcBef>
-                <a:spcPts val="1000"/>
-              </a:spcBef>
-              <a:buFont typeface="Arial" panose="020B0604020202020204" pitchFamily="34" charset="0"/>
-              <a:buChar char="•"/>
-              <a:defRPr sz="2800" kern="1200">
-                <a:solidFill>
-                  <a:schemeClr val="tx1"/>
-                </a:solidFill>
-                <a:latin typeface="+mn-lt"/>
-                <a:ea typeface="+mn-ea"/>
-                <a:cs typeface="+mn-cs"/>
-              </a:defRPr>
-            </a:lvl1pPr>
-            <a:lvl2pPr marL="685800" indent="-228600" algn="l" defTabSz="914400" rtl="0" eaLnBrk="1" latinLnBrk="1" hangingPunct="1">
-              <a:lnSpc>
-                <a:spcPct val="90000"/>
-              </a:lnSpc>
-              <a:spcBef>
-                <a:spcPts val="500"/>
-              </a:spcBef>
-              <a:buFont typeface="Arial" panose="020B0604020202020204" pitchFamily="34" charset="0"/>
-              <a:buChar char="•"/>
-              <a:defRPr sz="2400" kern="1200">
-                <a:solidFill>
-                  <a:schemeClr val="tx1"/>
-                </a:solidFill>
-                <a:latin typeface="+mn-lt"/>
-                <a:ea typeface="+mn-ea"/>
-                <a:cs typeface="+mn-cs"/>
-              </a:defRPr>
-            </a:lvl2pPr>
-            <a:lvl3pPr marL="1143000" indent="-228600" algn="l" defTabSz="914400" rtl="0" eaLnBrk="1" latinLnBrk="1" hangingPunct="1">
-              <a:lnSpc>
-                <a:spcPct val="90000"/>
-              </a:lnSpc>
-              <a:spcBef>
-                <a:spcPts val="500"/>
-              </a:spcBef>
-              <a:buFont typeface="Arial" panose="020B0604020202020204" pitchFamily="34" charset="0"/>
-              <a:buChar char="•"/>
-              <a:defRPr sz="2000" kern="1200">
-                <a:solidFill>
-                  <a:schemeClr val="tx1"/>
-                </a:solidFill>
-                <a:latin typeface="+mn-lt"/>
-                <a:ea typeface="+mn-ea"/>
-                <a:cs typeface="+mn-cs"/>
-              </a:defRPr>
-            </a:lvl3pPr>
-            <a:lvl4pPr marL="1600200" indent="-228600" algn="l" defTabSz="914400" rtl="0" eaLnBrk="1" latinLnBrk="1" hangingPunct="1">
-              <a:lnSpc>
-                <a:spcPct val="90000"/>
-              </a:lnSpc>
-              <a:spcBef>
-                <a:spcPts val="500"/>
-              </a:spcBef>
-              <a:buFont typeface="Arial" panose="020B0604020202020204" pitchFamily="34" charset="0"/>
-              <a:buChar char="•"/>
-              <a:defRPr sz="1800" kern="1200">
-                <a:solidFill>
-                  <a:schemeClr val="tx1"/>
-                </a:solidFill>
-                <a:latin typeface="+mn-lt"/>
-                <a:ea typeface="+mn-ea"/>
-                <a:cs typeface="+mn-cs"/>
-              </a:defRPr>
-            </a:lvl4pPr>
-            <a:lvl5pPr marL="2057400" indent="-228600" algn="l" defTabSz="914400" rtl="0" eaLnBrk="1" latinLnBrk="1" hangingPunct="1">
-              <a:lnSpc>
-                <a:spcPct val="90000"/>
-              </a:lnSpc>
-              <a:spcBef>
-                <a:spcPts val="500"/>
-              </a:spcBef>
-              <a:buFont typeface="Arial" panose="020B0604020202020204" pitchFamily="34" charset="0"/>
-              <a:buChar char="•"/>
-              <a:defRPr sz="1800" kern="1200">
-                <a:solidFill>
-                  <a:schemeClr val="tx1"/>
-                </a:solidFill>
-                <a:latin typeface="+mn-lt"/>
-                <a:ea typeface="+mn-ea"/>
-                <a:cs typeface="+mn-cs"/>
-              </a:defRPr>
-            </a:lvl5pPr>
-            <a:lvl6pPr marL="2514600" indent="-228600" algn="l" defTabSz="914400" rtl="0" eaLnBrk="1" latinLnBrk="1" hangingPunct="1">
-              <a:lnSpc>
-                <a:spcPct val="90000"/>
-              </a:lnSpc>
-              <a:spcBef>
-                <a:spcPts val="500"/>
-              </a:spcBef>
-              <a:buFont typeface="Arial" panose="020B0604020202020204" pitchFamily="34" charset="0"/>
-              <a:buChar char="•"/>
-              <a:defRPr sz="1800" kern="1200">
-                <a:solidFill>
-                  <a:schemeClr val="tx1"/>
-                </a:solidFill>
-                <a:latin typeface="+mn-lt"/>
-                <a:ea typeface="+mn-ea"/>
-                <a:cs typeface="+mn-cs"/>
-              </a:defRPr>
-            </a:lvl6pPr>
-            <a:lvl7pPr marL="2971800" indent="-228600" algn="l" defTabSz="914400" rtl="0" eaLnBrk="1" latinLnBrk="1" hangingPunct="1">
-              <a:lnSpc>
-                <a:spcPct val="90000"/>
-              </a:lnSpc>
-              <a:spcBef>
-                <a:spcPts val="500"/>
-              </a:spcBef>
-              <a:buFont typeface="Arial" panose="020B0604020202020204" pitchFamily="34" charset="0"/>
-              <a:buChar char="•"/>
-              <a:defRPr sz="1800" kern="1200">
-                <a:solidFill>
-                  <a:schemeClr val="tx1"/>
-                </a:solidFill>
-                <a:latin typeface="+mn-lt"/>
-                <a:ea typeface="+mn-ea"/>
-                <a:cs typeface="+mn-cs"/>
-              </a:defRPr>
-            </a:lvl7pPr>
-            <a:lvl8pPr marL="3429000" indent="-228600" algn="l" defTabSz="914400" rtl="0" eaLnBrk="1" latinLnBrk="1" hangingPunct="1">
-              <a:lnSpc>
-                <a:spcPct val="90000"/>
-              </a:lnSpc>
-              <a:spcBef>
-                <a:spcPts val="500"/>
-              </a:spcBef>
-              <a:buFont typeface="Arial" panose="020B0604020202020204" pitchFamily="34" charset="0"/>
-              <a:buChar char="•"/>
-              <a:defRPr sz="1800" kern="1200">
-                <a:solidFill>
-                  <a:schemeClr val="tx1"/>
-                </a:solidFill>
-                <a:latin typeface="+mn-lt"/>
-                <a:ea typeface="+mn-ea"/>
-                <a:cs typeface="+mn-cs"/>
-              </a:defRPr>
-            </a:lvl8pPr>
-            <a:lvl9pPr marL="3886200" indent="-228600" algn="l" defTabSz="914400" rtl="0" eaLnBrk="1" latinLnBrk="1" hangingPunct="1">
-              <a:lnSpc>
-                <a:spcPct val="90000"/>
-              </a:lnSpc>
-              <a:spcBef>
-                <a:spcPts val="500"/>
-              </a:spcBef>
-              <a:buFont typeface="Arial" panose="020B0604020202020204" pitchFamily="34" charset="0"/>
-              <a:buChar char="•"/>
-              <a:defRPr sz="1800" kern="1200">
-                <a:solidFill>
-                  <a:schemeClr val="tx1"/>
-                </a:solidFill>
-                <a:latin typeface="+mn-lt"/>
-                <a:ea typeface="+mn-ea"/>
-                <a:cs typeface="+mn-cs"/>
-              </a:defRPr>
-            </a:lvl9pPr>
-          </a:lstStyle>
-          <a:p>
-            <a:pPr marL="0" indent="0" algn="ctr">
-              <a:buFont typeface="Arial" panose="020B0604020202020204" pitchFamily="34" charset="0"/>
-              <a:buNone/>
-            </a:pPr>
-            <a:r>
-              <a:rPr lang="en-US" altLang="ko-KR" sz="4400" b="1" dirty="0">
-                <a:latin typeface="HY각헤드라인B" panose="02030600000101010101" pitchFamily="18" charset="-127"/>
-                <a:ea typeface="HY각헤드라인B" panose="02030600000101010101" pitchFamily="18" charset="-127"/>
-              </a:rPr>
-              <a:t>Chapter 6</a:t>
-            </a:r>
-            <a:endParaRPr lang="ko-KR" altLang="en-US" sz="4400" b="1" dirty="0">
-              <a:latin typeface="HY각헤드라인B" panose="02030600000101010101" pitchFamily="18" charset="-127"/>
-              <a:ea typeface="HY각헤드라인B" panose="02030600000101010101" pitchFamily="18" charset="-127"/>
-            </a:endParaRPr>
-          </a:p>
-        </p:txBody>
-      </p:sp>
-    </p:spTree>
-    <p:extLst>
-      <p:ext uri="{BB962C8B-B14F-4D97-AF65-F5344CB8AC3E}">
-        <p14:creationId xmlns:p14="http://schemas.microsoft.com/office/powerpoint/2010/main" val="3123132503"/>
-      </p:ext>
-    </p:extLst>
-  </p:cSld>
-  <p:clrMapOvr>
-    <a:masterClrMapping/>
-  </p:clrMapOvr>
-</p:sld>
-</file>
-
-<file path=ppt/slides/slide27.xml><?xml version="1.0" encoding="utf-8"?>
-<p:sld xmlns:a="http://schemas.openxmlformats.org/drawingml/2006/main" xmlns:r="http://schemas.openxmlformats.org/officeDocument/2006/relationships" xmlns:p="http://schemas.openxmlformats.org/presentationml/2006/main">
-  <p:cSld>
-    <p:spTree>
-      <p:nvGrpSpPr>
-        <p:cNvPr id="1" name=""/>
-        <p:cNvGrpSpPr/>
-        <p:nvPr/>
-      </p:nvGrpSpPr>
-      <p:grpSpPr>
-        <a:xfrm>
-          <a:off x="0" y="0"/>
-          <a:ext cx="0" cy="0"/>
-          <a:chOff x="0" y="0"/>
-          <a:chExt cx="0" cy="0"/>
-        </a:xfrm>
-      </p:grpSpPr>
-      <p:sp>
-        <p:nvSpPr>
-          <p:cNvPr id="8" name="Text Placeholder 7">
-            <a:extLst>
-              <a:ext uri="{FF2B5EF4-FFF2-40B4-BE49-F238E27FC236}">
-                <a16:creationId xmlns:a16="http://schemas.microsoft.com/office/drawing/2014/main" id="{AECB2726-1274-4BBD-9287-0DFA0195BEDA}"/>
-              </a:ext>
-            </a:extLst>
-          </p:cNvPr>
-          <p:cNvSpPr>
-            <a:spLocks noGrp="1"/>
-          </p:cNvSpPr>
-          <p:nvPr>
-            <p:ph type="body" sz="quarter" idx="11"/>
-          </p:nvPr>
-        </p:nvSpPr>
-        <p:spPr>
-          <a:xfrm>
-            <a:off x="2046914" y="2400831"/>
-            <a:ext cx="9328222" cy="1953455"/>
-          </a:xfrm>
-        </p:spPr>
-        <p:txBody>
-          <a:bodyPr/>
-          <a:lstStyle/>
-          <a:p>
-            <a:r>
-              <a:rPr lang="en-US" altLang="ko-KR" sz="4800" dirty="0">
-                <a:latin typeface="HY각헤드라인B" panose="02030600000101010101" pitchFamily="18" charset="-127"/>
-                <a:ea typeface="HY각헤드라인B" panose="02030600000101010101" pitchFamily="18" charset="-127"/>
-              </a:rPr>
-              <a:t>dtype</a:t>
-            </a:r>
-            <a:r>
-              <a:rPr lang="ko-KR" altLang="en-US" sz="4800" dirty="0">
-                <a:latin typeface="HY각헤드라인B" panose="02030600000101010101" pitchFamily="18" charset="-127"/>
-                <a:ea typeface="HY각헤드라인B" panose="02030600000101010101" pitchFamily="18" charset="-127"/>
-              </a:rPr>
-              <a:t>으로 자료형 객체 생성하기</a:t>
-            </a:r>
-          </a:p>
-        </p:txBody>
-      </p:sp>
-    </p:spTree>
-    <p:extLst>
-      <p:ext uri="{BB962C8B-B14F-4D97-AF65-F5344CB8AC3E}">
-        <p14:creationId xmlns:p14="http://schemas.microsoft.com/office/powerpoint/2010/main" val="2781887628"/>
-      </p:ext>
-    </p:extLst>
-  </p:cSld>
-  <p:clrMapOvr>
-    <a:masterClrMapping/>
-  </p:clrMapOvr>
-</p:sld>
-</file>
-
-<file path=ppt/slides/slide28.xml><?xml version="1.0" encoding="utf-8"?>
-<p:sld xmlns:a="http://schemas.openxmlformats.org/drawingml/2006/main" xmlns:r="http://schemas.openxmlformats.org/officeDocument/2006/relationships" xmlns:p="http://schemas.openxmlformats.org/presentationml/2006/main">
-  <p:cSld>
-    <p:spTree>
-      <p:nvGrpSpPr>
-        <p:cNvPr id="1" name=""/>
-        <p:cNvGrpSpPr/>
-        <p:nvPr/>
-      </p:nvGrpSpPr>
-      <p:grpSpPr>
-        <a:xfrm>
-          <a:off x="0" y="0"/>
-          <a:ext cx="0" cy="0"/>
-          <a:chOff x="0" y="0"/>
-          <a:chExt cx="0" cy="0"/>
-        </a:xfrm>
-      </p:grpSpPr>
-      <p:sp>
-        <p:nvSpPr>
-          <p:cNvPr id="4" name="텍스트 개체 틀 3"/>
-          <p:cNvSpPr>
-            <a:spLocks noGrp="1"/>
-          </p:cNvSpPr>
-          <p:nvPr>
-            <p:ph type="body" sz="quarter" idx="4294967295"/>
-          </p:nvPr>
-        </p:nvSpPr>
-        <p:spPr>
-          <a:xfrm>
-            <a:off x="1443651" y="1842026"/>
-            <a:ext cx="9369757" cy="501162"/>
-          </a:xfrm>
-          <a:prstGeom prst="rect">
-            <a:avLst/>
-          </a:prstGeom>
-        </p:spPr>
-        <p:txBody>
-          <a:bodyPr/>
-          <a:lstStyle/>
-          <a:p>
-            <a:pPr marL="422041" indent="-422041">
-              <a:buFont typeface="Arial" panose="020B0604020202020204" pitchFamily="34" charset="0"/>
-              <a:buChar char="•"/>
-            </a:pPr>
-            <a:r>
-              <a:rPr lang="ko-KR" altLang="en-US" sz="2000" b="0" dirty="0"/>
-              <a:t>다차원 배열의 자료형을 관리하는 클래스가 </a:t>
-            </a:r>
-            <a:r>
-              <a:rPr lang="en-US" altLang="ko-KR" sz="2000" b="0" dirty="0"/>
-              <a:t>dtype </a:t>
-            </a:r>
-            <a:r>
-              <a:rPr lang="ko-KR" altLang="en-US" sz="2000" b="0" dirty="0"/>
-              <a:t>입니다</a:t>
-            </a:r>
-            <a:r>
-              <a:rPr lang="en-US" altLang="ko-KR" sz="2000" b="0" dirty="0"/>
-              <a:t>. </a:t>
-            </a:r>
-            <a:r>
-              <a:rPr lang="ko-KR" altLang="en-US" sz="2000" b="0" dirty="0"/>
-              <a:t>이 클래스로 객체를 만들어서 관리합니다</a:t>
-            </a:r>
-            <a:r>
-              <a:rPr lang="en-US" altLang="ko-KR" sz="2000" b="0" dirty="0"/>
-              <a:t>. </a:t>
-            </a:r>
-            <a:r>
-              <a:rPr lang="ko-KR" altLang="en-US" sz="2000" b="0" dirty="0"/>
-              <a:t>배열을 생성할 때 자료형 클래스가 </a:t>
-            </a:r>
-            <a:r>
-              <a:rPr lang="en-US" altLang="ko-KR" sz="2000" b="0" dirty="0"/>
-              <a:t>dtype </a:t>
-            </a:r>
-            <a:r>
-              <a:rPr lang="ko-KR" altLang="en-US" sz="2000" b="0" dirty="0"/>
-              <a:t>인자에 전달됩니다</a:t>
-            </a:r>
-            <a:r>
-              <a:rPr lang="en-US" altLang="ko-KR" sz="2000" b="0" dirty="0"/>
-              <a:t>. </a:t>
-            </a:r>
-          </a:p>
-        </p:txBody>
-      </p:sp>
-      <p:sp>
-        <p:nvSpPr>
-          <p:cNvPr id="7" name="직사각형 6">
-            <a:extLst>
-              <a:ext uri="{FF2B5EF4-FFF2-40B4-BE49-F238E27FC236}">
-                <a16:creationId xmlns:a16="http://schemas.microsoft.com/office/drawing/2014/main" id="{223FDA6A-E709-42B7-B8FB-ADC8914529AC}"/>
-              </a:ext>
-            </a:extLst>
-          </p:cNvPr>
-          <p:cNvSpPr/>
-          <p:nvPr/>
-        </p:nvSpPr>
-        <p:spPr>
-          <a:xfrm>
-            <a:off x="1294686" y="1327611"/>
-            <a:ext cx="2569934" cy="369332"/>
-          </a:xfrm>
-          <a:prstGeom prst="rect">
-            <a:avLst/>
-          </a:prstGeom>
-        </p:spPr>
-        <p:txBody>
-          <a:bodyPr wrap="none">
-            <a:spAutoFit/>
-          </a:bodyPr>
-          <a:lstStyle/>
-          <a:p>
-            <a:r>
-              <a:rPr lang="en-US" altLang="ko-KR" dirty="0">
-                <a:solidFill>
-                  <a:schemeClr val="bg1"/>
-                </a:solidFill>
-                <a:latin typeface="HY헤드라인M" panose="02030600000101010101" pitchFamily="18" charset="-127"/>
-                <a:ea typeface="HY헤드라인M" panose="02030600000101010101" pitchFamily="18" charset="-127"/>
-              </a:rPr>
-              <a:t>dtype </a:t>
-            </a:r>
-            <a:r>
-              <a:rPr lang="ko-KR" altLang="en-US" dirty="0">
-                <a:solidFill>
-                  <a:schemeClr val="bg1"/>
-                </a:solidFill>
-                <a:latin typeface="HY헤드라인M" panose="02030600000101010101" pitchFamily="18" charset="-127"/>
-                <a:ea typeface="HY헤드라인M" panose="02030600000101010101" pitchFamily="18" charset="-127"/>
-              </a:rPr>
-              <a:t>클래스 알아보기</a:t>
-            </a:r>
-            <a:endParaRPr lang="en-US" altLang="ko-KR" dirty="0">
-              <a:solidFill>
-                <a:schemeClr val="bg1"/>
-              </a:solidFill>
-              <a:latin typeface="HY헤드라인M" panose="02030600000101010101" pitchFamily="18" charset="-127"/>
-              <a:ea typeface="HY헤드라인M" panose="02030600000101010101" pitchFamily="18" charset="-127"/>
-            </a:endParaRPr>
-          </a:p>
-        </p:txBody>
-      </p:sp>
-      <p:pic>
-        <p:nvPicPr>
-          <p:cNvPr id="3" name="그림 2">
-            <a:extLst>
-              <a:ext uri="{FF2B5EF4-FFF2-40B4-BE49-F238E27FC236}">
-                <a16:creationId xmlns:a16="http://schemas.microsoft.com/office/drawing/2014/main" id="{7C64FEB8-4F93-4518-B454-57026385F436}"/>
-              </a:ext>
-            </a:extLst>
-          </p:cNvPr>
-          <p:cNvPicPr>
-            <a:picLocks noChangeAspect="1"/>
-          </p:cNvPicPr>
-          <p:nvPr/>
-        </p:nvPicPr>
-        <p:blipFill>
-          <a:blip r:embed="rId2"/>
-          <a:stretch>
-            <a:fillRect/>
-          </a:stretch>
-        </p:blipFill>
-        <p:spPr>
-          <a:xfrm>
-            <a:off x="1839067" y="3429000"/>
-            <a:ext cx="3016397" cy="1704975"/>
-          </a:xfrm>
-          <a:prstGeom prst="rect">
-            <a:avLst/>
-          </a:prstGeom>
-        </p:spPr>
-      </p:pic>
-      <p:pic>
-        <p:nvPicPr>
-          <p:cNvPr id="6" name="그림 5">
-            <a:extLst>
-              <a:ext uri="{FF2B5EF4-FFF2-40B4-BE49-F238E27FC236}">
-                <a16:creationId xmlns:a16="http://schemas.microsoft.com/office/drawing/2014/main" id="{401C1F51-2408-4D38-BDEA-2E2B9C7B2923}"/>
-              </a:ext>
-            </a:extLst>
-          </p:cNvPr>
-          <p:cNvPicPr>
-            <a:picLocks noChangeAspect="1"/>
-          </p:cNvPicPr>
-          <p:nvPr/>
-        </p:nvPicPr>
-        <p:blipFill>
-          <a:blip r:embed="rId3"/>
-          <a:stretch>
-            <a:fillRect/>
-          </a:stretch>
-        </p:blipFill>
-        <p:spPr>
-          <a:xfrm>
-            <a:off x="5780912" y="3514725"/>
-            <a:ext cx="3619119" cy="1619250"/>
-          </a:xfrm>
-          <a:prstGeom prst="rect">
-            <a:avLst/>
-          </a:prstGeom>
-        </p:spPr>
-      </p:pic>
-    </p:spTree>
-    <p:extLst>
-      <p:ext uri="{BB962C8B-B14F-4D97-AF65-F5344CB8AC3E}">
-        <p14:creationId xmlns:p14="http://schemas.microsoft.com/office/powerpoint/2010/main" val="646835910"/>
-      </p:ext>
-    </p:extLst>
-  </p:cSld>
-  <p:clrMapOvr>
-    <a:masterClrMapping/>
-  </p:clrMapOvr>
-</p:sld>
-</file>
-
-<file path=ppt/slides/slide29.xml><?xml version="1.0" encoding="utf-8"?>
-<p:sld xmlns:a="http://schemas.openxmlformats.org/drawingml/2006/main" xmlns:r="http://schemas.openxmlformats.org/officeDocument/2006/relationships" xmlns:p="http://schemas.openxmlformats.org/presentationml/2006/main">
-  <p:cSld>
-    <p:spTree>
-      <p:nvGrpSpPr>
-        <p:cNvPr id="1" name=""/>
-        <p:cNvGrpSpPr/>
-        <p:nvPr/>
-      </p:nvGrpSpPr>
-      <p:grpSpPr>
-        <a:xfrm>
-          <a:off x="0" y="0"/>
-          <a:ext cx="0" cy="0"/>
-          <a:chOff x="0" y="0"/>
-          <a:chExt cx="0" cy="0"/>
-        </a:xfrm>
-      </p:grpSpPr>
-      <p:sp>
-        <p:nvSpPr>
-          <p:cNvPr id="4" name="텍스트 개체 틀 3"/>
-          <p:cNvSpPr>
-            <a:spLocks noGrp="1"/>
-          </p:cNvSpPr>
-          <p:nvPr>
-            <p:ph type="body" sz="quarter" idx="4294967295"/>
-          </p:nvPr>
-        </p:nvSpPr>
-        <p:spPr>
-          <a:xfrm>
-            <a:off x="1443651" y="1842026"/>
-            <a:ext cx="9369757" cy="501162"/>
-          </a:xfrm>
-          <a:prstGeom prst="rect">
-            <a:avLst/>
-          </a:prstGeom>
-        </p:spPr>
-        <p:txBody>
-          <a:bodyPr/>
-          <a:lstStyle/>
-          <a:p>
-            <a:pPr marL="422041" indent="-422041">
-              <a:buFont typeface="Arial" panose="020B0604020202020204" pitchFamily="34" charset="0"/>
-              <a:buChar char="•"/>
-            </a:pPr>
-            <a:r>
-              <a:rPr lang="ko-KR" altLang="en-US" sz="2000" b="0" dirty="0"/>
-              <a:t>넘파이 모듈의 대표적인 정수 클래스는 </a:t>
-            </a:r>
-            <a:r>
-              <a:rPr lang="en-US" altLang="ko-KR" sz="2000" b="0" dirty="0"/>
-              <a:t>np.int_ </a:t>
-            </a:r>
-            <a:r>
-              <a:rPr lang="ko-KR" altLang="en-US" sz="2000" b="0" dirty="0"/>
-              <a:t>입니다</a:t>
-            </a:r>
-            <a:r>
-              <a:rPr lang="en-US" altLang="ko-KR" sz="2000" b="0" dirty="0"/>
-              <a:t>. </a:t>
-            </a:r>
-            <a:r>
-              <a:rPr lang="ko-KR" altLang="en-US" sz="2000" b="0" dirty="0"/>
-              <a:t>이 클래스는 기본으로 </a:t>
-            </a:r>
-            <a:r>
-              <a:rPr lang="en-US" altLang="ko-KR" sz="2000" b="0" dirty="0"/>
-              <a:t>int32</a:t>
-            </a:r>
-            <a:r>
-              <a:rPr lang="ko-KR" altLang="en-US" sz="2000" b="0" dirty="0"/>
-              <a:t>입니다</a:t>
-            </a:r>
-            <a:r>
-              <a:rPr lang="en-US" altLang="ko-KR" sz="2000" b="0" dirty="0"/>
-              <a:t>. </a:t>
-            </a:r>
-            <a:r>
-              <a:rPr lang="ko-KR" altLang="en-US" sz="2000" b="0" dirty="0"/>
-              <a:t>이 클래스의 상속관계를 </a:t>
-            </a:r>
-            <a:r>
-              <a:rPr lang="en-US" altLang="ko-KR" sz="2000" b="0" dirty="0"/>
-              <a:t>mro </a:t>
-            </a:r>
-            <a:r>
-              <a:rPr lang="ko-KR" altLang="en-US" sz="2000" b="0" dirty="0"/>
-              <a:t>메소드로 확인할 수 있습니다</a:t>
-            </a:r>
-            <a:endParaRPr lang="en-US" altLang="ko-KR" sz="2000" b="0" dirty="0"/>
-          </a:p>
-        </p:txBody>
-      </p:sp>
-      <p:sp>
-        <p:nvSpPr>
-          <p:cNvPr id="7" name="직사각형 6">
-            <a:extLst>
-              <a:ext uri="{FF2B5EF4-FFF2-40B4-BE49-F238E27FC236}">
-                <a16:creationId xmlns:a16="http://schemas.microsoft.com/office/drawing/2014/main" id="{223FDA6A-E709-42B7-B8FB-ADC8914529AC}"/>
-              </a:ext>
-            </a:extLst>
-          </p:cNvPr>
-          <p:cNvSpPr/>
-          <p:nvPr/>
-        </p:nvSpPr>
-        <p:spPr>
-          <a:xfrm>
-            <a:off x="1294686" y="1327611"/>
-            <a:ext cx="2416046" cy="369332"/>
-          </a:xfrm>
-          <a:prstGeom prst="rect">
-            <a:avLst/>
-          </a:prstGeom>
-        </p:spPr>
-        <p:txBody>
-          <a:bodyPr wrap="none">
-            <a:spAutoFit/>
-          </a:bodyPr>
-          <a:lstStyle/>
-          <a:p>
-            <a:r>
-              <a:rPr lang="ko-KR" altLang="en-US" dirty="0">
-                <a:solidFill>
-                  <a:schemeClr val="bg1"/>
-                </a:solidFill>
-                <a:latin typeface="HY헤드라인M" panose="02030600000101010101" pitchFamily="18" charset="-127"/>
-                <a:ea typeface="HY헤드라인M" panose="02030600000101010101" pitchFamily="18" charset="-127"/>
-              </a:rPr>
-              <a:t>자료</a:t>
-            </a:r>
-            <a:r>
-              <a:rPr lang="en-US" altLang="ko-KR" dirty="0">
-                <a:solidFill>
-                  <a:schemeClr val="bg1"/>
-                </a:solidFill>
-                <a:latin typeface="HY헤드라인M" panose="02030600000101010101" pitchFamily="18" charset="-127"/>
-                <a:ea typeface="HY헤드라인M" panose="02030600000101010101" pitchFamily="18" charset="-127"/>
-              </a:rPr>
-              <a:t> </a:t>
-            </a:r>
-            <a:r>
-              <a:rPr lang="ko-KR" altLang="en-US" dirty="0">
-                <a:solidFill>
-                  <a:schemeClr val="bg1"/>
-                </a:solidFill>
-                <a:latin typeface="HY헤드라인M" panose="02030600000101010101" pitchFamily="18" charset="-127"/>
-                <a:ea typeface="HY헤드라인M" panose="02030600000101010101" pitchFamily="18" charset="-127"/>
-              </a:rPr>
-              <a:t>클래스 알아보기</a:t>
-            </a:r>
-            <a:endParaRPr lang="en-US" altLang="ko-KR" dirty="0">
-              <a:solidFill>
-                <a:schemeClr val="bg1"/>
-              </a:solidFill>
-              <a:latin typeface="HY헤드라인M" panose="02030600000101010101" pitchFamily="18" charset="-127"/>
-              <a:ea typeface="HY헤드라인M" panose="02030600000101010101" pitchFamily="18" charset="-127"/>
-            </a:endParaRPr>
-          </a:p>
-        </p:txBody>
-      </p:sp>
-      <p:pic>
-        <p:nvPicPr>
-          <p:cNvPr id="5" name="그림 4">
-            <a:extLst>
-              <a:ext uri="{FF2B5EF4-FFF2-40B4-BE49-F238E27FC236}">
-                <a16:creationId xmlns:a16="http://schemas.microsoft.com/office/drawing/2014/main" id="{E25A2342-A5A6-49B8-A815-95C7265D4024}"/>
-              </a:ext>
-            </a:extLst>
-          </p:cNvPr>
-          <p:cNvPicPr>
-            <a:picLocks noChangeAspect="1"/>
-          </p:cNvPicPr>
-          <p:nvPr/>
-        </p:nvPicPr>
-        <p:blipFill>
-          <a:blip r:embed="rId2"/>
-          <a:stretch>
-            <a:fillRect/>
-          </a:stretch>
-        </p:blipFill>
-        <p:spPr>
-          <a:xfrm>
-            <a:off x="1294686" y="3448013"/>
-            <a:ext cx="2171700" cy="2133600"/>
-          </a:xfrm>
-          <a:prstGeom prst="rect">
-            <a:avLst/>
-          </a:prstGeom>
-        </p:spPr>
-      </p:pic>
-      <p:pic>
-        <p:nvPicPr>
-          <p:cNvPr id="9" name="그림 8">
-            <a:extLst>
-              <a:ext uri="{FF2B5EF4-FFF2-40B4-BE49-F238E27FC236}">
-                <a16:creationId xmlns:a16="http://schemas.microsoft.com/office/drawing/2014/main" id="{37357C2D-27C9-4386-91C5-041BDB0AD26D}"/>
-              </a:ext>
-            </a:extLst>
-          </p:cNvPr>
-          <p:cNvPicPr>
-            <a:picLocks noChangeAspect="1"/>
-          </p:cNvPicPr>
-          <p:nvPr/>
-        </p:nvPicPr>
-        <p:blipFill>
-          <a:blip r:embed="rId3"/>
-          <a:stretch>
-            <a:fillRect/>
-          </a:stretch>
-        </p:blipFill>
-        <p:spPr>
-          <a:xfrm>
-            <a:off x="4360083" y="3448013"/>
-            <a:ext cx="3162300" cy="1943100"/>
-          </a:xfrm>
-          <a:prstGeom prst="rect">
-            <a:avLst/>
-          </a:prstGeom>
-        </p:spPr>
-      </p:pic>
-      <p:pic>
-        <p:nvPicPr>
-          <p:cNvPr id="11" name="그림 10">
-            <a:extLst>
-              <a:ext uri="{FF2B5EF4-FFF2-40B4-BE49-F238E27FC236}">
-                <a16:creationId xmlns:a16="http://schemas.microsoft.com/office/drawing/2014/main" id="{87991A67-A796-4DF6-A3F8-C737CE71D623}"/>
-              </a:ext>
-            </a:extLst>
-          </p:cNvPr>
-          <p:cNvPicPr>
-            <a:picLocks noChangeAspect="1"/>
-          </p:cNvPicPr>
-          <p:nvPr/>
-        </p:nvPicPr>
-        <p:blipFill>
-          <a:blip r:embed="rId4"/>
-          <a:stretch>
-            <a:fillRect/>
-          </a:stretch>
-        </p:blipFill>
-        <p:spPr>
-          <a:xfrm>
-            <a:off x="8416080" y="3167025"/>
-            <a:ext cx="2171700" cy="2695575"/>
-          </a:xfrm>
-          <a:prstGeom prst="rect">
-            <a:avLst/>
-          </a:prstGeom>
-        </p:spPr>
-      </p:pic>
-    </p:spTree>
-    <p:extLst>
-      <p:ext uri="{BB962C8B-B14F-4D97-AF65-F5344CB8AC3E}">
-        <p14:creationId xmlns:p14="http://schemas.microsoft.com/office/powerpoint/2010/main" val="412731718"/>
-      </p:ext>
-    </p:extLst>
-  </p:cSld>
-  <p:clrMapOvr>
-    <a:masterClrMapping/>
-  </p:clrMapOvr>
-</p:sld>
-</file>
-
 <file path=ppt/slides/slide3.xml><?xml version="1.0" encoding="utf-8"?>
 <p:sld xmlns:a="http://schemas.openxmlformats.org/drawingml/2006/main" xmlns:r="http://schemas.openxmlformats.org/officeDocument/2006/relationships" xmlns:p="http://schemas.openxmlformats.org/presentationml/2006/main">
   <p:cSld>
@@ -7208,213 +6372,6 @@
     <p:extLst>
       <p:ext uri="{BB962C8B-B14F-4D97-AF65-F5344CB8AC3E}">
         <p14:creationId xmlns:p14="http://schemas.microsoft.com/office/powerpoint/2010/main" val="3949976479"/>
-      </p:ext>
-    </p:extLst>
-  </p:cSld>
-  <p:clrMapOvr>
-    <a:masterClrMapping/>
-  </p:clrMapOvr>
-</p:sld>
-</file>
-
-<file path=ppt/slides/slide30.xml><?xml version="1.0" encoding="utf-8"?>
-<p:sld xmlns:a="http://schemas.openxmlformats.org/drawingml/2006/main" xmlns:r="http://schemas.openxmlformats.org/officeDocument/2006/relationships" xmlns:p="http://schemas.openxmlformats.org/presentationml/2006/main">
-  <p:cSld>
-    <p:spTree>
-      <p:nvGrpSpPr>
-        <p:cNvPr id="1" name=""/>
-        <p:cNvGrpSpPr/>
-        <p:nvPr/>
-      </p:nvGrpSpPr>
-      <p:grpSpPr>
-        <a:xfrm>
-          <a:off x="0" y="0"/>
-          <a:ext cx="0" cy="0"/>
-          <a:chOff x="0" y="0"/>
-          <a:chExt cx="0" cy="0"/>
-        </a:xfrm>
-      </p:grpSpPr>
-      <p:sp>
-        <p:nvSpPr>
-          <p:cNvPr id="4" name="텍스트 개체 틀 3"/>
-          <p:cNvSpPr>
-            <a:spLocks noGrp="1"/>
-          </p:cNvSpPr>
-          <p:nvPr>
-            <p:ph type="body" sz="quarter" idx="4294967295"/>
-          </p:nvPr>
-        </p:nvSpPr>
-        <p:spPr>
-          <a:xfrm>
-            <a:off x="1443651" y="1842026"/>
-            <a:ext cx="9369757" cy="501162"/>
-          </a:xfrm>
-          <a:prstGeom prst="rect">
-            <a:avLst/>
-          </a:prstGeom>
-        </p:spPr>
-        <p:txBody>
-          <a:bodyPr/>
-          <a:lstStyle/>
-          <a:p>
-            <a:pPr marL="422041" indent="-422041">
-              <a:buFont typeface="Arial" panose="020B0604020202020204" pitchFamily="34" charset="0"/>
-              <a:buChar char="•"/>
-            </a:pPr>
-            <a:r>
-              <a:rPr lang="ko-KR" altLang="en-US" sz="2000" b="0" dirty="0"/>
-              <a:t>정수와 실수</a:t>
-            </a:r>
-            <a:r>
-              <a:rPr lang="en-US" altLang="ko-KR" sz="2000" b="0" dirty="0"/>
-              <a:t>, </a:t>
-            </a:r>
-            <a:r>
-              <a:rPr lang="ko-KR" altLang="en-US" sz="2000" b="0" dirty="0"/>
-              <a:t>복소수를 처리하는 </a:t>
-            </a:r>
-            <a:r>
-              <a:rPr lang="ko-KR" altLang="en-US" sz="2000" b="0" dirty="0" err="1"/>
-              <a:t>자료형들입니다</a:t>
-            </a:r>
-            <a:r>
-              <a:rPr lang="en-US" altLang="ko-KR" sz="2000" b="0" dirty="0"/>
-              <a:t>. </a:t>
-            </a:r>
-          </a:p>
-        </p:txBody>
-      </p:sp>
-      <p:sp>
-        <p:nvSpPr>
-          <p:cNvPr id="7" name="직사각형 6">
-            <a:extLst>
-              <a:ext uri="{FF2B5EF4-FFF2-40B4-BE49-F238E27FC236}">
-                <a16:creationId xmlns:a16="http://schemas.microsoft.com/office/drawing/2014/main" id="{223FDA6A-E709-42B7-B8FB-ADC8914529AC}"/>
-              </a:ext>
-            </a:extLst>
-          </p:cNvPr>
-          <p:cNvSpPr/>
-          <p:nvPr/>
-        </p:nvSpPr>
-        <p:spPr>
-          <a:xfrm>
-            <a:off x="1294686" y="1327611"/>
-            <a:ext cx="2040943" cy="369332"/>
-          </a:xfrm>
-          <a:prstGeom prst="rect">
-            <a:avLst/>
-          </a:prstGeom>
-        </p:spPr>
-        <p:txBody>
-          <a:bodyPr wrap="none">
-            <a:spAutoFit/>
-          </a:bodyPr>
-          <a:lstStyle/>
-          <a:p>
-            <a:r>
-              <a:rPr lang="ko-KR" altLang="en-US" dirty="0">
-                <a:solidFill>
-                  <a:schemeClr val="bg1"/>
-                </a:solidFill>
-                <a:latin typeface="HY헤드라인M" panose="02030600000101010101" pitchFamily="18" charset="-127"/>
-                <a:ea typeface="HY헤드라인M" panose="02030600000101010101" pitchFamily="18" charset="-127"/>
-              </a:rPr>
-              <a:t>정수</a:t>
-            </a:r>
-            <a:r>
-              <a:rPr lang="en-US" altLang="ko-KR" dirty="0">
-                <a:solidFill>
-                  <a:schemeClr val="bg1"/>
-                </a:solidFill>
-                <a:latin typeface="HY헤드라인M" panose="02030600000101010101" pitchFamily="18" charset="-127"/>
-                <a:ea typeface="HY헤드라인M" panose="02030600000101010101" pitchFamily="18" charset="-127"/>
-              </a:rPr>
-              <a:t>/</a:t>
-            </a:r>
-            <a:r>
-              <a:rPr lang="ko-KR" altLang="en-US" dirty="0">
-                <a:solidFill>
-                  <a:schemeClr val="bg1"/>
-                </a:solidFill>
-                <a:latin typeface="HY헤드라인M" panose="02030600000101010101" pitchFamily="18" charset="-127"/>
-                <a:ea typeface="HY헤드라인M" panose="02030600000101010101" pitchFamily="18" charset="-127"/>
-              </a:rPr>
-              <a:t>실수 자료형 </a:t>
-            </a:r>
-            <a:endParaRPr lang="en-US" altLang="ko-KR" dirty="0">
-              <a:solidFill>
-                <a:schemeClr val="bg1"/>
-              </a:solidFill>
-              <a:latin typeface="HY헤드라인M" panose="02030600000101010101" pitchFamily="18" charset="-127"/>
-              <a:ea typeface="HY헤드라인M" panose="02030600000101010101" pitchFamily="18" charset="-127"/>
-            </a:endParaRPr>
-          </a:p>
-        </p:txBody>
-      </p:sp>
-      <p:pic>
-        <p:nvPicPr>
-          <p:cNvPr id="3" name="그림 2">
-            <a:extLst>
-              <a:ext uri="{FF2B5EF4-FFF2-40B4-BE49-F238E27FC236}">
-                <a16:creationId xmlns:a16="http://schemas.microsoft.com/office/drawing/2014/main" id="{11E20C75-8B56-47D2-8C9F-0E38C1DB8B21}"/>
-              </a:ext>
-            </a:extLst>
-          </p:cNvPr>
-          <p:cNvPicPr>
-            <a:picLocks noChangeAspect="1"/>
-          </p:cNvPicPr>
-          <p:nvPr/>
-        </p:nvPicPr>
-        <p:blipFill>
-          <a:blip r:embed="rId2"/>
-          <a:stretch>
-            <a:fillRect/>
-          </a:stretch>
-        </p:blipFill>
-        <p:spPr>
-          <a:xfrm>
-            <a:off x="1443651" y="3428999"/>
-            <a:ext cx="4638675" cy="1876425"/>
-          </a:xfrm>
-          <a:prstGeom prst="rect">
-            <a:avLst/>
-          </a:prstGeom>
-        </p:spPr>
-      </p:pic>
-      <p:pic>
-        <p:nvPicPr>
-          <p:cNvPr id="8" name="그림 7">
-            <a:extLst>
-              <a:ext uri="{FF2B5EF4-FFF2-40B4-BE49-F238E27FC236}">
-                <a16:creationId xmlns:a16="http://schemas.microsoft.com/office/drawing/2014/main" id="{D23EFAED-C094-4336-BD5A-25BDE3845660}"/>
-              </a:ext>
-            </a:extLst>
-          </p:cNvPr>
-          <p:cNvPicPr>
-            <a:picLocks noChangeAspect="1"/>
-          </p:cNvPicPr>
-          <p:nvPr/>
-        </p:nvPicPr>
-        <p:blipFill>
-          <a:blip r:embed="rId3"/>
-          <a:stretch>
-            <a:fillRect/>
-          </a:stretch>
-        </p:blipFill>
-        <p:spPr>
-          <a:xfrm>
-            <a:off x="6585838" y="3428998"/>
-            <a:ext cx="4657725" cy="1876425"/>
-          </a:xfrm>
-          <a:prstGeom prst="rect">
-            <a:avLst/>
-          </a:prstGeom>
-        </p:spPr>
-      </p:pic>
-    </p:spTree>
-    <p:extLst>
-      <p:ext uri="{BB962C8B-B14F-4D97-AF65-F5344CB8AC3E}">
-        <p14:creationId xmlns:p14="http://schemas.microsoft.com/office/powerpoint/2010/main" val="3481483183"/>
       </p:ext>
     </p:extLst>
   </p:cSld>
